--- a/2018/2학기/인터넷윤리와 보안개론/A반/4조.pptx
+++ b/2018/2학기/인터넷윤리와 보안개론/A반/4조.pptx
@@ -144,363 +144,6 @@
 </p1510:revInfo>
 </file>
 
-<file path=ppt/changesInfos/changesInfo1.xml><?xml version="1.0" encoding="utf-8"?>
-<pc:chgInfo xmlns:a="http://schemas.openxmlformats.org/drawingml/2006/main" xmlns:r="http://schemas.openxmlformats.org/officeDocument/2006/relationships" xmlns:ac="http://schemas.microsoft.com/office/drawing/2013/main/command" xmlns:pc="http://schemas.microsoft.com/office/powerpoint/2013/main/command">
-  <pc:docChgLst>
-    <pc:chgData name="cherryhong07@gmail.com" userId="63456107b39287c1" providerId="LiveId" clId="{A98CAA48-B0AD-4E25-A649-CE73F7E086F8}"/>
-    <pc:docChg chg="undo custSel addSld modSld">
-      <pc:chgData name="cherryhong07@gmail.com" userId="63456107b39287c1" providerId="LiveId" clId="{A98CAA48-B0AD-4E25-A649-CE73F7E086F8}" dt="2018-11-27T02:24:52.866" v="562"/>
-      <pc:docMkLst>
-        <pc:docMk/>
-      </pc:docMkLst>
-      <pc:sldChg chg="modSp">
-        <pc:chgData name="cherryhong07@gmail.com" userId="63456107b39287c1" providerId="LiveId" clId="{A98CAA48-B0AD-4E25-A649-CE73F7E086F8}" dt="2018-11-27T02:10:20.278" v="198" actId="207"/>
-        <pc:sldMkLst>
-          <pc:docMk/>
-          <pc:sldMk cId="1095762681" sldId="256"/>
-        </pc:sldMkLst>
-        <pc:spChg chg="mod">
-          <ac:chgData name="cherryhong07@gmail.com" userId="63456107b39287c1" providerId="LiveId" clId="{A98CAA48-B0AD-4E25-A649-CE73F7E086F8}" dt="2018-11-27T02:08:23.139" v="81" actId="1076"/>
-          <ac:spMkLst>
-            <pc:docMk/>
-            <pc:sldMk cId="1095762681" sldId="256"/>
-            <ac:spMk id="6" creationId="{00000000-0000-0000-0000-000000000000}"/>
-          </ac:spMkLst>
-        </pc:spChg>
-        <pc:spChg chg="mod">
-          <ac:chgData name="cherryhong07@gmail.com" userId="63456107b39287c1" providerId="LiveId" clId="{A98CAA48-B0AD-4E25-A649-CE73F7E086F8}" dt="2018-11-27T02:10:20.278" v="198" actId="207"/>
-          <ac:spMkLst>
-            <pc:docMk/>
-            <pc:sldMk cId="1095762681" sldId="256"/>
-            <ac:spMk id="7" creationId="{00000000-0000-0000-0000-000000000000}"/>
-          </ac:spMkLst>
-        </pc:spChg>
-        <pc:spChg chg="mod">
-          <ac:chgData name="cherryhong07@gmail.com" userId="63456107b39287c1" providerId="LiveId" clId="{A98CAA48-B0AD-4E25-A649-CE73F7E086F8}" dt="2018-11-27T02:09:21.362" v="162" actId="1076"/>
-          <ac:spMkLst>
-            <pc:docMk/>
-            <pc:sldMk cId="1095762681" sldId="256"/>
-            <ac:spMk id="8" creationId="{00000000-0000-0000-0000-000000000000}"/>
-          </ac:spMkLst>
-        </pc:spChg>
-        <pc:spChg chg="mod">
-          <ac:chgData name="cherryhong07@gmail.com" userId="63456107b39287c1" providerId="LiveId" clId="{A98CAA48-B0AD-4E25-A649-CE73F7E086F8}" dt="2018-11-27T02:09:28.660" v="163" actId="1076"/>
-          <ac:spMkLst>
-            <pc:docMk/>
-            <pc:sldMk cId="1095762681" sldId="256"/>
-            <ac:spMk id="10" creationId="{00000000-0000-0000-0000-000000000000}"/>
-          </ac:spMkLst>
-        </pc:spChg>
-      </pc:sldChg>
-      <pc:sldChg chg="addSp delSp modSp">
-        <pc:chgData name="cherryhong07@gmail.com" userId="63456107b39287c1" providerId="LiveId" clId="{A98CAA48-B0AD-4E25-A649-CE73F7E086F8}" dt="2018-11-27T02:24:52.866" v="562"/>
-        <pc:sldMkLst>
-          <pc:docMk/>
-          <pc:sldMk cId="656902497" sldId="257"/>
-        </pc:sldMkLst>
-        <pc:spChg chg="add del mod">
-          <ac:chgData name="cherryhong07@gmail.com" userId="63456107b39287c1" providerId="LiveId" clId="{A98CAA48-B0AD-4E25-A649-CE73F7E086F8}" dt="2018-11-27T02:17:20.358" v="445"/>
-          <ac:spMkLst>
-            <pc:docMk/>
-            <pc:sldMk cId="656902497" sldId="257"/>
-            <ac:spMk id="2" creationId="{0B6A4BAD-F09D-49AF-AADB-997798E3DE9A}"/>
-          </ac:spMkLst>
-        </pc:spChg>
-        <pc:spChg chg="mod">
-          <ac:chgData name="cherryhong07@gmail.com" userId="63456107b39287c1" providerId="LiveId" clId="{A98CAA48-B0AD-4E25-A649-CE73F7E086F8}" dt="2018-11-27T02:10:27.628" v="199" actId="207"/>
-          <ac:spMkLst>
-            <pc:docMk/>
-            <pc:sldMk cId="656902497" sldId="257"/>
-            <ac:spMk id="4" creationId="{00000000-0000-0000-0000-000000000000}"/>
-          </ac:spMkLst>
-        </pc:spChg>
-        <pc:spChg chg="del mod">
-          <ac:chgData name="cherryhong07@gmail.com" userId="63456107b39287c1" providerId="LiveId" clId="{A98CAA48-B0AD-4E25-A649-CE73F7E086F8}" dt="2018-11-27T02:11:04.782" v="213"/>
-          <ac:spMkLst>
-            <pc:docMk/>
-            <pc:sldMk cId="656902497" sldId="257"/>
-            <ac:spMk id="5" creationId="{00000000-0000-0000-0000-000000000000}"/>
-          </ac:spMkLst>
-        </pc:spChg>
-        <pc:spChg chg="add mod">
-          <ac:chgData name="cherryhong07@gmail.com" userId="63456107b39287c1" providerId="LiveId" clId="{A98CAA48-B0AD-4E25-A649-CE73F7E086F8}" dt="2018-11-27T02:18:53.009" v="561" actId="14100"/>
-          <ac:spMkLst>
-            <pc:docMk/>
-            <pc:sldMk cId="656902497" sldId="257"/>
-            <ac:spMk id="9" creationId="{1C3CB72B-C936-4743-86B0-8658CA37C987}"/>
-          </ac:spMkLst>
-        </pc:spChg>
-        <pc:spChg chg="mod">
-          <ac:chgData name="cherryhong07@gmail.com" userId="63456107b39287c1" providerId="LiveId" clId="{A98CAA48-B0AD-4E25-A649-CE73F7E086F8}" dt="2018-11-27T02:24:52.866" v="562"/>
-          <ac:spMkLst>
-            <pc:docMk/>
-            <pc:sldMk cId="656902497" sldId="257"/>
-            <ac:spMk id="10" creationId="{00000000-0000-0000-0000-000000000000}"/>
-          </ac:spMkLst>
-        </pc:spChg>
-      </pc:sldChg>
-      <pc:sldChg chg="modSp">
-        <pc:chgData name="cherryhong07@gmail.com" userId="63456107b39287c1" providerId="LiveId" clId="{A98CAA48-B0AD-4E25-A649-CE73F7E086F8}" dt="2018-11-27T02:16:46.246" v="425" actId="20577"/>
-        <pc:sldMkLst>
-          <pc:docMk/>
-          <pc:sldMk cId="3568414443" sldId="258"/>
-        </pc:sldMkLst>
-        <pc:spChg chg="mod">
-          <ac:chgData name="cherryhong07@gmail.com" userId="63456107b39287c1" providerId="LiveId" clId="{A98CAA48-B0AD-4E25-A649-CE73F7E086F8}" dt="2018-11-27T02:16:43.912" v="422"/>
-          <ac:spMkLst>
-            <pc:docMk/>
-            <pc:sldMk cId="3568414443" sldId="258"/>
-            <ac:spMk id="7" creationId="{00000000-0000-0000-0000-000000000000}"/>
-          </ac:spMkLst>
-        </pc:spChg>
-        <pc:spChg chg="mod">
-          <ac:chgData name="cherryhong07@gmail.com" userId="63456107b39287c1" providerId="LiveId" clId="{A98CAA48-B0AD-4E25-A649-CE73F7E086F8}" dt="2018-11-27T02:15:11.351" v="393" actId="1076"/>
-          <ac:spMkLst>
-            <pc:docMk/>
-            <pc:sldMk cId="3568414443" sldId="258"/>
-            <ac:spMk id="8" creationId="{00000000-0000-0000-0000-000000000000}"/>
-          </ac:spMkLst>
-        </pc:spChg>
-        <pc:spChg chg="mod">
-          <ac:chgData name="cherryhong07@gmail.com" userId="63456107b39287c1" providerId="LiveId" clId="{A98CAA48-B0AD-4E25-A649-CE73F7E086F8}" dt="2018-11-27T02:16:46.246" v="425" actId="20577"/>
-          <ac:spMkLst>
-            <pc:docMk/>
-            <pc:sldMk cId="3568414443" sldId="258"/>
-            <ac:spMk id="17" creationId="{00000000-0000-0000-0000-000000000000}"/>
-          </ac:spMkLst>
-        </pc:spChg>
-      </pc:sldChg>
-      <pc:sldChg chg="modSp">
-        <pc:chgData name="cherryhong07@gmail.com" userId="63456107b39287c1" providerId="LiveId" clId="{A98CAA48-B0AD-4E25-A649-CE73F7E086F8}" dt="2018-11-27T02:16:57.252" v="436" actId="20577"/>
-        <pc:sldMkLst>
-          <pc:docMk/>
-          <pc:sldMk cId="1818151868" sldId="259"/>
-        </pc:sldMkLst>
-        <pc:spChg chg="mod">
-          <ac:chgData name="cherryhong07@gmail.com" userId="63456107b39287c1" providerId="LiveId" clId="{A98CAA48-B0AD-4E25-A649-CE73F7E086F8}" dt="2018-11-27T02:10:37.580" v="200" actId="207"/>
-          <ac:spMkLst>
-            <pc:docMk/>
-            <pc:sldMk cId="1818151868" sldId="259"/>
-            <ac:spMk id="10" creationId="{00000000-0000-0000-0000-000000000000}"/>
-          </ac:spMkLst>
-        </pc:spChg>
-        <pc:spChg chg="mod">
-          <ac:chgData name="cherryhong07@gmail.com" userId="63456107b39287c1" providerId="LiveId" clId="{A98CAA48-B0AD-4E25-A649-CE73F7E086F8}" dt="2018-11-27T02:16:57.252" v="436" actId="20577"/>
-          <ac:spMkLst>
-            <pc:docMk/>
-            <pc:sldMk cId="1818151868" sldId="259"/>
-            <ac:spMk id="26" creationId="{00000000-0000-0000-0000-000000000000}"/>
-          </ac:spMkLst>
-        </pc:spChg>
-        <pc:spChg chg="mod">
-          <ac:chgData name="cherryhong07@gmail.com" userId="63456107b39287c1" providerId="LiveId" clId="{A98CAA48-B0AD-4E25-A649-CE73F7E086F8}" dt="2018-11-27T02:16:50.760" v="428" actId="20577"/>
-          <ac:spMkLst>
-            <pc:docMk/>
-            <pc:sldMk cId="1818151868" sldId="259"/>
-            <ac:spMk id="40" creationId="{00000000-0000-0000-0000-000000000000}"/>
-          </ac:spMkLst>
-        </pc:spChg>
-      </pc:sldChg>
-      <pc:sldChg chg="modSp">
-        <pc:chgData name="cherryhong07@gmail.com" userId="63456107b39287c1" providerId="LiveId" clId="{A98CAA48-B0AD-4E25-A649-CE73F7E086F8}" dt="2018-11-27T02:17:01.551" v="439" actId="20577"/>
-        <pc:sldMkLst>
-          <pc:docMk/>
-          <pc:sldMk cId="3139234149" sldId="261"/>
-        </pc:sldMkLst>
-        <pc:spChg chg="mod">
-          <ac:chgData name="cherryhong07@gmail.com" userId="63456107b39287c1" providerId="LiveId" clId="{A98CAA48-B0AD-4E25-A649-CE73F7E086F8}" dt="2018-11-27T02:15:23.807" v="396" actId="1076"/>
-          <ac:spMkLst>
-            <pc:docMk/>
-            <pc:sldMk cId="3139234149" sldId="261"/>
-            <ac:spMk id="7" creationId="{00000000-0000-0000-0000-000000000000}"/>
-          </ac:spMkLst>
-        </pc:spChg>
-        <pc:spChg chg="mod">
-          <ac:chgData name="cherryhong07@gmail.com" userId="63456107b39287c1" providerId="LiveId" clId="{A98CAA48-B0AD-4E25-A649-CE73F7E086F8}" dt="2018-11-27T02:15:30.107" v="397" actId="1076"/>
-          <ac:spMkLst>
-            <pc:docMk/>
-            <pc:sldMk cId="3139234149" sldId="261"/>
-            <ac:spMk id="8" creationId="{00000000-0000-0000-0000-000000000000}"/>
-          </ac:spMkLst>
-        </pc:spChg>
-        <pc:spChg chg="mod">
-          <ac:chgData name="cherryhong07@gmail.com" userId="63456107b39287c1" providerId="LiveId" clId="{A98CAA48-B0AD-4E25-A649-CE73F7E086F8}" dt="2018-11-27T02:17:01.551" v="439" actId="20577"/>
-          <ac:spMkLst>
-            <pc:docMk/>
-            <pc:sldMk cId="3139234149" sldId="261"/>
-            <ac:spMk id="29" creationId="{00000000-0000-0000-0000-000000000000}"/>
-          </ac:spMkLst>
-        </pc:spChg>
-      </pc:sldChg>
-      <pc:sldChg chg="addSp delSp modSp">
-        <pc:chgData name="cherryhong07@gmail.com" userId="63456107b39287c1" providerId="LiveId" clId="{A98CAA48-B0AD-4E25-A649-CE73F7E086F8}" dt="2018-11-27T02:16:01.058" v="404" actId="478"/>
-        <pc:sldMkLst>
-          <pc:docMk/>
-          <pc:sldMk cId="2209042424" sldId="262"/>
-        </pc:sldMkLst>
-        <pc:spChg chg="add del mod">
-          <ac:chgData name="cherryhong07@gmail.com" userId="63456107b39287c1" providerId="LiveId" clId="{A98CAA48-B0AD-4E25-A649-CE73F7E086F8}" dt="2018-11-27T02:15:55.401" v="402" actId="478"/>
-          <ac:spMkLst>
-            <pc:docMk/>
-            <pc:sldMk cId="2209042424" sldId="262"/>
-            <ac:spMk id="4" creationId="{00000000-0000-0000-0000-000000000000}"/>
-          </ac:spMkLst>
-        </pc:spChg>
-        <pc:spChg chg="mod">
-          <ac:chgData name="cherryhong07@gmail.com" userId="63456107b39287c1" providerId="LiveId" clId="{A98CAA48-B0AD-4E25-A649-CE73F7E086F8}" dt="2018-11-27T02:14:54.161" v="389" actId="1076"/>
-          <ac:spMkLst>
-            <pc:docMk/>
-            <pc:sldMk cId="2209042424" sldId="262"/>
-            <ac:spMk id="9" creationId="{00000000-0000-0000-0000-000000000000}"/>
-          </ac:spMkLst>
-        </pc:spChg>
-        <pc:spChg chg="mod">
-          <ac:chgData name="cherryhong07@gmail.com" userId="63456107b39287c1" providerId="LiveId" clId="{A98CAA48-B0AD-4E25-A649-CE73F7E086F8}" dt="2018-11-27T02:14:33.517" v="387" actId="1076"/>
-          <ac:spMkLst>
-            <pc:docMk/>
-            <pc:sldMk cId="2209042424" sldId="262"/>
-            <ac:spMk id="10" creationId="{00000000-0000-0000-0000-000000000000}"/>
-          </ac:spMkLst>
-        </pc:spChg>
-        <pc:spChg chg="del mod">
-          <ac:chgData name="cherryhong07@gmail.com" userId="63456107b39287c1" providerId="LiveId" clId="{A98CAA48-B0AD-4E25-A649-CE73F7E086F8}" dt="2018-11-27T02:16:01.058" v="404" actId="478"/>
-          <ac:spMkLst>
-            <pc:docMk/>
-            <pc:sldMk cId="2209042424" sldId="262"/>
-            <ac:spMk id="11" creationId="{00000000-0000-0000-0000-000000000000}"/>
-          </ac:spMkLst>
-        </pc:spChg>
-        <pc:spChg chg="del">
-          <ac:chgData name="cherryhong07@gmail.com" userId="63456107b39287c1" providerId="LiveId" clId="{A98CAA48-B0AD-4E25-A649-CE73F7E086F8}" dt="2018-11-27T02:15:52.095" v="400" actId="478"/>
-          <ac:spMkLst>
-            <pc:docMk/>
-            <pc:sldMk cId="2209042424" sldId="262"/>
-            <ac:spMk id="26" creationId="{00000000-0000-0000-0000-000000000000}"/>
-          </ac:spMkLst>
-        </pc:spChg>
-        <pc:spChg chg="del">
-          <ac:chgData name="cherryhong07@gmail.com" userId="63456107b39287c1" providerId="LiveId" clId="{A98CAA48-B0AD-4E25-A649-CE73F7E086F8}" dt="2018-11-27T02:15:58.353" v="403" actId="478"/>
-          <ac:spMkLst>
-            <pc:docMk/>
-            <pc:sldMk cId="2209042424" sldId="262"/>
-            <ac:spMk id="27" creationId="{00000000-0000-0000-0000-000000000000}"/>
-          </ac:spMkLst>
-        </pc:spChg>
-        <pc:spChg chg="del">
-          <ac:chgData name="cherryhong07@gmail.com" userId="63456107b39287c1" providerId="LiveId" clId="{A98CAA48-B0AD-4E25-A649-CE73F7E086F8}" dt="2018-11-27T02:15:50.982" v="399" actId="478"/>
-          <ac:spMkLst>
-            <pc:docMk/>
-            <pc:sldMk cId="2209042424" sldId="262"/>
-            <ac:spMk id="29" creationId="{00000000-0000-0000-0000-000000000000}"/>
-          </ac:spMkLst>
-        </pc:spChg>
-      </pc:sldChg>
-      <pc:sldChg chg="addSp add setBg">
-        <pc:chgData name="cherryhong07@gmail.com" userId="63456107b39287c1" providerId="LiveId" clId="{A98CAA48-B0AD-4E25-A649-CE73F7E086F8}" dt="2018-11-27T02:17:56.237" v="475"/>
-        <pc:sldMkLst>
-          <pc:docMk/>
-          <pc:sldMk cId="2932284845" sldId="263"/>
-        </pc:sldMkLst>
-        <pc:spChg chg="add">
-          <ac:chgData name="cherryhong07@gmail.com" userId="63456107b39287c1" providerId="LiveId" clId="{A98CAA48-B0AD-4E25-A649-CE73F7E086F8}" dt="2018-11-27T02:17:56.237" v="475"/>
-          <ac:spMkLst>
-            <pc:docMk/>
-            <pc:sldMk cId="2932284845" sldId="263"/>
-            <ac:spMk id="7" creationId="{FDB116DF-4F35-47D6-BCAB-227C54A0CFF1}"/>
-          </ac:spMkLst>
-        </pc:spChg>
-      </pc:sldChg>
-      <pc:sldChg chg="addSp add setBg">
-        <pc:chgData name="cherryhong07@gmail.com" userId="63456107b39287c1" providerId="LiveId" clId="{A98CAA48-B0AD-4E25-A649-CE73F7E086F8}" dt="2018-11-27T02:17:57.879" v="476"/>
-        <pc:sldMkLst>
-          <pc:docMk/>
-          <pc:sldMk cId="2023300871" sldId="264"/>
-        </pc:sldMkLst>
-        <pc:spChg chg="add">
-          <ac:chgData name="cherryhong07@gmail.com" userId="63456107b39287c1" providerId="LiveId" clId="{A98CAA48-B0AD-4E25-A649-CE73F7E086F8}" dt="2018-11-27T02:17:57.879" v="476"/>
-          <ac:spMkLst>
-            <pc:docMk/>
-            <pc:sldMk cId="2023300871" sldId="264"/>
-            <ac:spMk id="7" creationId="{B0C92BB4-6763-4FB9-85D1-93611A8A0C05}"/>
-          </ac:spMkLst>
-        </pc:spChg>
-      </pc:sldChg>
-      <pc:sldChg chg="addSp add setBg">
-        <pc:chgData name="cherryhong07@gmail.com" userId="63456107b39287c1" providerId="LiveId" clId="{A98CAA48-B0AD-4E25-A649-CE73F7E086F8}" dt="2018-11-27T02:17:59.036" v="477"/>
-        <pc:sldMkLst>
-          <pc:docMk/>
-          <pc:sldMk cId="1849754643" sldId="265"/>
-        </pc:sldMkLst>
-        <pc:spChg chg="add">
-          <ac:chgData name="cherryhong07@gmail.com" userId="63456107b39287c1" providerId="LiveId" clId="{A98CAA48-B0AD-4E25-A649-CE73F7E086F8}" dt="2018-11-27T02:17:59.036" v="477"/>
-          <ac:spMkLst>
-            <pc:docMk/>
-            <pc:sldMk cId="1849754643" sldId="265"/>
-            <ac:spMk id="7" creationId="{D8CB46A6-75D9-42D2-AEAD-7B524AC02181}"/>
-          </ac:spMkLst>
-        </pc:spChg>
-      </pc:sldChg>
-    </pc:docChg>
-  </pc:docChgLst>
-  <pc:docChgLst>
-    <pc:chgData name="cherryhong07@gmail.com" userId="63456107b39287c1" providerId="LiveId" clId="{DEC981CA-A68A-4BCB-8257-7410B0EFA6F2}"/>
-    <pc:docChg chg="custSel modSld">
-      <pc:chgData name="cherryhong07@gmail.com" userId="63456107b39287c1" providerId="LiveId" clId="{DEC981CA-A68A-4BCB-8257-7410B0EFA6F2}" dt="2018-11-27T02:33:09.413" v="25" actId="1076"/>
-      <pc:docMkLst>
-        <pc:docMk/>
-      </pc:docMkLst>
-      <pc:sldChg chg="addSp delSp modSp">
-        <pc:chgData name="cherryhong07@gmail.com" userId="63456107b39287c1" providerId="LiveId" clId="{DEC981CA-A68A-4BCB-8257-7410B0EFA6F2}" dt="2018-11-27T02:33:09.413" v="25" actId="1076"/>
-        <pc:sldMkLst>
-          <pc:docMk/>
-          <pc:sldMk cId="656902497" sldId="257"/>
-        </pc:sldMkLst>
-        <pc:spChg chg="del">
-          <ac:chgData name="cherryhong07@gmail.com" userId="63456107b39287c1" providerId="LiveId" clId="{DEC981CA-A68A-4BCB-8257-7410B0EFA6F2}" dt="2018-11-27T02:27:55.318" v="19" actId="478"/>
-          <ac:spMkLst>
-            <pc:docMk/>
-            <pc:sldMk cId="656902497" sldId="257"/>
-            <ac:spMk id="10" creationId="{00000000-0000-0000-0000-000000000000}"/>
-          </ac:spMkLst>
-        </pc:spChg>
-        <pc:spChg chg="add mod">
-          <ac:chgData name="cherryhong07@gmail.com" userId="63456107b39287c1" providerId="LiveId" clId="{DEC981CA-A68A-4BCB-8257-7410B0EFA6F2}" dt="2018-11-27T02:32:47.345" v="21"/>
-          <ac:spMkLst>
-            <pc:docMk/>
-            <pc:sldMk cId="656902497" sldId="257"/>
-            <ac:spMk id="14" creationId="{691A8A18-9D2B-4434-B768-E9A4BD11E8C8}"/>
-          </ac:spMkLst>
-        </pc:spChg>
-        <pc:picChg chg="add del mod">
-          <ac:chgData name="cherryhong07@gmail.com" userId="63456107b39287c1" providerId="LiveId" clId="{DEC981CA-A68A-4BCB-8257-7410B0EFA6F2}" dt="2018-11-27T02:27:11.489" v="14" actId="478"/>
-          <ac:picMkLst>
-            <pc:docMk/>
-            <pc:sldMk cId="656902497" sldId="257"/>
-            <ac:picMk id="3" creationId="{0BDC17DE-39FE-4D32-8242-7A866DB646A9}"/>
-          </ac:picMkLst>
-        </pc:picChg>
-        <pc:picChg chg="add mod">
-          <ac:chgData name="cherryhong07@gmail.com" userId="63456107b39287c1" providerId="LiveId" clId="{DEC981CA-A68A-4BCB-8257-7410B0EFA6F2}" dt="2018-11-27T02:33:02.193" v="23" actId="1076"/>
-          <ac:picMkLst>
-            <pc:docMk/>
-            <pc:sldMk cId="656902497" sldId="257"/>
-            <ac:picMk id="6" creationId="{F461CFE0-52BE-47F0-A2DA-A5D3C40A3537}"/>
-          </ac:picMkLst>
-        </pc:picChg>
-        <pc:picChg chg="add mod">
-          <ac:chgData name="cherryhong07@gmail.com" userId="63456107b39287c1" providerId="LiveId" clId="{DEC981CA-A68A-4BCB-8257-7410B0EFA6F2}" dt="2018-11-27T02:33:09.413" v="25" actId="1076"/>
-          <ac:picMkLst>
-            <pc:docMk/>
-            <pc:sldMk cId="656902497" sldId="257"/>
-            <ac:picMk id="8" creationId="{AA76915F-C96C-4714-B857-663104640CC5}"/>
-          </ac:picMkLst>
-        </pc:picChg>
-      </pc:sldChg>
-    </pc:docChg>
-  </pc:docChgLst>
-</pc:chgInfo>
-</file>
-
 <file path=ppt/slideLayouts/slideLayout1.xml><?xml version="1.0" encoding="utf-8"?>
 <p:sldLayout xmlns:a="http://schemas.openxmlformats.org/drawingml/2006/main" xmlns:r="http://schemas.openxmlformats.org/officeDocument/2006/relationships" xmlns:p="http://schemas.openxmlformats.org/presentationml/2006/main" type="title" preserve="1">
   <p:cSld name="제목 슬라이드">
@@ -631,7 +274,7 @@
             <a:fld id="{0A837266-5F83-43E5-8B4C-B854B0D57007}" type="datetimeFigureOut">
               <a:rPr lang="ko-KR" altLang="en-US" smtClean="0"/>
               <a:pPr/>
-              <a:t>2018-11-28</a:t>
+              <a:t>2018-12-02</a:t>
             </a:fld>
             <a:endParaRPr lang="ko-KR" altLang="en-US"/>
           </a:p>
@@ -801,7 +444,7 @@
             <a:fld id="{0A837266-5F83-43E5-8B4C-B854B0D57007}" type="datetimeFigureOut">
               <a:rPr lang="ko-KR" altLang="en-US" smtClean="0"/>
               <a:pPr/>
-              <a:t>2018-11-28</a:t>
+              <a:t>2018-12-02</a:t>
             </a:fld>
             <a:endParaRPr lang="ko-KR" altLang="en-US"/>
           </a:p>
@@ -981,7 +624,7 @@
             <a:fld id="{0A837266-5F83-43E5-8B4C-B854B0D57007}" type="datetimeFigureOut">
               <a:rPr lang="ko-KR" altLang="en-US" smtClean="0"/>
               <a:pPr/>
-              <a:t>2018-11-28</a:t>
+              <a:t>2018-12-02</a:t>
             </a:fld>
             <a:endParaRPr lang="ko-KR" altLang="en-US"/>
           </a:p>
@@ -1161,7 +804,7 @@
             <a:fld id="{0A837266-5F83-43E5-8B4C-B854B0D57007}" type="datetimeFigureOut">
               <a:rPr lang="ko-KR" altLang="en-US" smtClean="0"/>
               <a:pPr/>
-              <a:t>2018-11-28</a:t>
+              <a:t>2018-12-02</a:t>
             </a:fld>
             <a:endParaRPr lang="ko-KR" altLang="en-US"/>
           </a:p>
@@ -1408,7 +1051,7 @@
             <a:fld id="{0A837266-5F83-43E5-8B4C-B854B0D57007}" type="datetimeFigureOut">
               <a:rPr lang="ko-KR" altLang="en-US" smtClean="0"/>
               <a:pPr/>
-              <a:t>2018-11-28</a:t>
+              <a:t>2018-12-02</a:t>
             </a:fld>
             <a:endParaRPr lang="ko-KR" altLang="en-US"/>
           </a:p>
@@ -1639,7 +1282,7 @@
             <a:fld id="{0A837266-5F83-43E5-8B4C-B854B0D57007}" type="datetimeFigureOut">
               <a:rPr lang="ko-KR" altLang="en-US" smtClean="0"/>
               <a:pPr/>
-              <a:t>2018-11-28</a:t>
+              <a:t>2018-12-02</a:t>
             </a:fld>
             <a:endParaRPr lang="ko-KR" altLang="en-US"/>
           </a:p>
@@ -2005,7 +1648,7 @@
             <a:fld id="{0A837266-5F83-43E5-8B4C-B854B0D57007}" type="datetimeFigureOut">
               <a:rPr lang="ko-KR" altLang="en-US" smtClean="0"/>
               <a:pPr/>
-              <a:t>2018-11-28</a:t>
+              <a:t>2018-12-02</a:t>
             </a:fld>
             <a:endParaRPr lang="ko-KR" altLang="en-US"/>
           </a:p>
@@ -2124,7 +1767,7 @@
             <a:fld id="{0A837266-5F83-43E5-8B4C-B854B0D57007}" type="datetimeFigureOut">
               <a:rPr lang="ko-KR" altLang="en-US" smtClean="0"/>
               <a:pPr/>
-              <a:t>2018-11-28</a:t>
+              <a:t>2018-12-02</a:t>
             </a:fld>
             <a:endParaRPr lang="ko-KR" altLang="en-US"/>
           </a:p>
@@ -2221,7 +1864,7 @@
             <a:fld id="{0A837266-5F83-43E5-8B4C-B854B0D57007}" type="datetimeFigureOut">
               <a:rPr lang="ko-KR" altLang="en-US" smtClean="0"/>
               <a:pPr/>
-              <a:t>2018-11-28</a:t>
+              <a:t>2018-12-02</a:t>
             </a:fld>
             <a:endParaRPr lang="ko-KR" altLang="en-US"/>
           </a:p>
@@ -2498,7 +2141,7 @@
             <a:fld id="{0A837266-5F83-43E5-8B4C-B854B0D57007}" type="datetimeFigureOut">
               <a:rPr lang="ko-KR" altLang="en-US" smtClean="0"/>
               <a:pPr/>
-              <a:t>2018-11-28</a:t>
+              <a:t>2018-12-02</a:t>
             </a:fld>
             <a:endParaRPr lang="ko-KR" altLang="en-US"/>
           </a:p>
@@ -2752,7 +2395,7 @@
             <a:fld id="{0A837266-5F83-43E5-8B4C-B854B0D57007}" type="datetimeFigureOut">
               <a:rPr lang="ko-KR" altLang="en-US" smtClean="0"/>
               <a:pPr/>
-              <a:t>2018-11-28</a:t>
+              <a:t>2018-12-02</a:t>
             </a:fld>
             <a:endParaRPr lang="ko-KR" altLang="en-US"/>
           </a:p>
@@ -2965,7 +2608,7 @@
             <a:fld id="{0A837266-5F83-43E5-8B4C-B854B0D57007}" type="datetimeFigureOut">
               <a:rPr lang="ko-KR" altLang="en-US" smtClean="0"/>
               <a:pPr/>
-              <a:t>2018-11-28</a:t>
+              <a:t>2018-12-02</a:t>
             </a:fld>
             <a:endParaRPr lang="ko-KR" altLang="en-US"/>
           </a:p>
@@ -4827,7 +4470,7 @@
             <a:effectLst/>
             <a:extLst>
               <a:ext uri="{C572A759-6A51-4108-AA02-DFA0A04FC94B}">
-                <ma14:wrappingTextBoxFlag xmlns="" xmlns:ma14="http://schemas.microsoft.com/office/mac/drawingml/2011/main" val="1"/>
+                <ma14:wrappingTextBoxFlag xmlns:ma14="http://schemas.microsoft.com/office/mac/drawingml/2011/main" xmlns="" val="1"/>
               </a:ext>
             </a:extLst>
           </p:spPr>
@@ -4887,7 +4530,7 @@
         <p:grpSpPr>
           <a:xfrm>
             <a:off x="8266862" y="2614015"/>
-            <a:ext cx="2530695" cy="1959239"/>
+            <a:ext cx="2530695" cy="3144234"/>
             <a:chOff x="0" y="879100"/>
             <a:chExt cx="5206950" cy="4031169"/>
           </a:xfrm>
@@ -4914,7 +4557,7 @@
             <a:effectLst/>
             <a:extLst>
               <a:ext uri="{C572A759-6A51-4108-AA02-DFA0A04FC94B}">
-                <ma14:wrappingTextBoxFlag xmlns="" xmlns:ma14="http://schemas.microsoft.com/office/mac/drawingml/2011/main" val="1"/>
+                <ma14:wrappingTextBoxFlag xmlns:ma14="http://schemas.microsoft.com/office/mac/drawingml/2011/main" xmlns="" val="1"/>
               </a:ext>
             </a:extLst>
           </p:spPr>
@@ -4948,7 +4591,7 @@
                   <a:latin typeface="나눔스퀘어 Bold" panose="020B0600000101010101" pitchFamily="50" charset="-127"/>
                   <a:ea typeface="나눔스퀘어 Bold" panose="020B0600000101010101" pitchFamily="50" charset="-127"/>
                 </a:rPr>
-                <a:t>1</a:t>
+                <a:t>2</a:t>
               </a:r>
               <a:endParaRPr sz="2000" dirty="0">
                 <a:ln>
@@ -4986,7 +4629,7 @@
             <a:effectLst/>
             <a:extLst>
               <a:ext uri="{C572A759-6A51-4108-AA02-DFA0A04FC94B}">
-                <ma14:wrappingTextBoxFlag xmlns="" xmlns:ma14="http://schemas.microsoft.com/office/mac/drawingml/2011/main" val="1"/>
+                <ma14:wrappingTextBoxFlag xmlns:ma14="http://schemas.microsoft.com/office/mac/drawingml/2011/main" xmlns="" val="1"/>
               </a:ext>
             </a:extLst>
           </p:spPr>
@@ -5218,6 +4861,507 @@
           </a:p>
         </p:txBody>
       </p:sp>
+      <p:grpSp>
+        <p:nvGrpSpPr>
+          <p:cNvPr id="16" name="Group 503">
+            <a:extLst>
+              <a:ext uri="{FF2B5EF4-FFF2-40B4-BE49-F238E27FC236}">
+                <a16:creationId xmlns:a16="http://schemas.microsoft.com/office/drawing/2014/main" id="{4117DD7F-8429-440D-B487-81D766B12CDC}"/>
+              </a:ext>
+            </a:extLst>
+          </p:cNvPr>
+          <p:cNvGrpSpPr/>
+          <p:nvPr/>
+        </p:nvGrpSpPr>
+        <p:grpSpPr>
+          <a:xfrm>
+            <a:off x="1374578" y="2614015"/>
+            <a:ext cx="2530695" cy="3144234"/>
+            <a:chOff x="0" y="879100"/>
+            <a:chExt cx="5206950" cy="4031169"/>
+          </a:xfrm>
+        </p:grpSpPr>
+        <p:sp>
+          <p:nvSpPr>
+            <p:cNvPr id="19" name="Shape 498">
+              <a:extLst>
+                <a:ext uri="{FF2B5EF4-FFF2-40B4-BE49-F238E27FC236}">
+                  <a16:creationId xmlns:a16="http://schemas.microsoft.com/office/drawing/2014/main" id="{A63C997E-3C9D-497A-88D2-475B704CBF2B}"/>
+                </a:ext>
+              </a:extLst>
+            </p:cNvPr>
+            <p:cNvSpPr/>
+            <p:nvPr/>
+          </p:nvSpPr>
+          <p:spPr>
+            <a:xfrm>
+              <a:off x="0" y="879100"/>
+              <a:ext cx="5206950" cy="873112"/>
+            </a:xfrm>
+            <a:prstGeom prst="rect">
+              <a:avLst/>
+            </a:prstGeom>
+            <a:noFill/>
+            <a:ln w="3175" cap="flat">
+              <a:noFill/>
+              <a:miter lim="400000"/>
+            </a:ln>
+            <a:effectLst/>
+            <a:extLst>
+              <a:ext uri="{C572A759-6A51-4108-AA02-DFA0A04FC94B}">
+                <ma14:wrappingTextBoxFlag xmlns:ma14="http://schemas.microsoft.com/office/mac/drawingml/2011/main" xmlns="" val="1"/>
+              </a:ext>
+            </a:extLst>
+          </p:spPr>
+          <p:txBody>
+            <a:bodyPr wrap="square" lIns="38100" tIns="38100" rIns="38100" bIns="38100" numCol="1" anchor="t">
+              <a:normAutofit/>
+            </a:bodyPr>
+            <a:lstStyle>
+              <a:lvl1pPr algn="l">
+                <a:defRPr sz="4500">
+                  <a:solidFill>
+                    <a:srgbClr val="000000"/>
+                  </a:solidFill>
+                  <a:latin typeface="Roboto Slab Regular"/>
+                  <a:ea typeface="Roboto Slab Regular"/>
+                  <a:cs typeface="Roboto Slab Regular"/>
+                  <a:sym typeface="Roboto Slab Regular"/>
+                </a:defRPr>
+              </a:lvl1pPr>
+            </a:lstStyle>
+            <a:p>
+              <a:r>
+                <a:rPr lang="en-US" altLang="ko-KR" sz="2000" dirty="0">
+                  <a:ln>
+                    <a:solidFill>
+                      <a:schemeClr val="tx1">
+                        <a:alpha val="20000"/>
+                      </a:schemeClr>
+                    </a:solidFill>
+                  </a:ln>
+                  <a:latin typeface="나눔스퀘어 Bold" panose="020B0600000101010101" pitchFamily="50" charset="-127"/>
+                  <a:ea typeface="나눔스퀘어 Bold" panose="020B0600000101010101" pitchFamily="50" charset="-127"/>
+                </a:rPr>
+                <a:t>1</a:t>
+              </a:r>
+              <a:endParaRPr sz="2000" dirty="0">
+                <a:ln>
+                  <a:solidFill>
+                    <a:schemeClr val="tx1">
+                      <a:alpha val="20000"/>
+                    </a:schemeClr>
+                  </a:solidFill>
+                </a:ln>
+                <a:latin typeface="나눔스퀘어 Bold" panose="020B0600000101010101" pitchFamily="50" charset="-127"/>
+                <a:ea typeface="나눔스퀘어 Bold" panose="020B0600000101010101" pitchFamily="50" charset="-127"/>
+              </a:endParaRPr>
+            </a:p>
+          </p:txBody>
+        </p:sp>
+        <p:sp>
+          <p:nvSpPr>
+            <p:cNvPr id="23" name="Shape 499">
+              <a:extLst>
+                <a:ext uri="{FF2B5EF4-FFF2-40B4-BE49-F238E27FC236}">
+                  <a16:creationId xmlns:a16="http://schemas.microsoft.com/office/drawing/2014/main" id="{97B8C48F-B84D-42F4-B7FC-41EFAF9D6255}"/>
+                </a:ext>
+              </a:extLst>
+            </p:cNvPr>
+            <p:cNvSpPr/>
+            <p:nvPr/>
+          </p:nvSpPr>
+          <p:spPr>
+            <a:xfrm>
+              <a:off x="0" y="2410070"/>
+              <a:ext cx="5057971" cy="2500199"/>
+            </a:xfrm>
+            <a:prstGeom prst="rect">
+              <a:avLst/>
+            </a:prstGeom>
+            <a:noFill/>
+            <a:ln w="3175" cap="flat">
+              <a:noFill/>
+              <a:miter lim="400000"/>
+            </a:ln>
+            <a:effectLst/>
+            <a:extLst>
+              <a:ext uri="{C572A759-6A51-4108-AA02-DFA0A04FC94B}">
+                <ma14:wrappingTextBoxFlag xmlns:ma14="http://schemas.microsoft.com/office/mac/drawingml/2011/main" xmlns="" val="1"/>
+              </a:ext>
+            </a:extLst>
+          </p:spPr>
+          <p:txBody>
+            <a:bodyPr wrap="square" lIns="38100" tIns="38100" rIns="38100" bIns="38100" numCol="1" anchor="t">
+              <a:normAutofit/>
+            </a:bodyPr>
+            <a:lstStyle/>
+            <a:p>
+              <a:pPr>
+                <a:lnSpc>
+                  <a:spcPct val="150000"/>
+                </a:lnSpc>
+              </a:pPr>
+              <a:r>
+                <a:rPr lang="ko-KR" altLang="en-US" sz="2000" dirty="0">
+                  <a:ln>
+                    <a:solidFill>
+                      <a:schemeClr val="bg2">
+                        <a:lumMod val="25000"/>
+                        <a:alpha val="20000"/>
+                      </a:schemeClr>
+                    </a:solidFill>
+                  </a:ln>
+                  <a:solidFill>
+                    <a:schemeClr val="bg2">
+                      <a:lumMod val="25000"/>
+                    </a:schemeClr>
+                  </a:solidFill>
+                  <a:latin typeface="나눔스퀘어 Bold" pitchFamily="50" charset="-127"/>
+                  <a:ea typeface="나눔스퀘어 Bold" pitchFamily="50" charset="-127"/>
+                </a:rPr>
+                <a:t>생체정보를 </a:t>
+              </a:r>
+              <a:endParaRPr lang="en-US" altLang="ko-KR" sz="2000" dirty="0">
+                <a:ln>
+                  <a:solidFill>
+                    <a:schemeClr val="bg2">
+                      <a:lumMod val="25000"/>
+                      <a:alpha val="20000"/>
+                    </a:schemeClr>
+                  </a:solidFill>
+                </a:ln>
+                <a:solidFill>
+                  <a:schemeClr val="bg2">
+                    <a:lumMod val="25000"/>
+                  </a:schemeClr>
+                </a:solidFill>
+                <a:latin typeface="나눔스퀘어 Bold" pitchFamily="50" charset="-127"/>
+                <a:ea typeface="나눔스퀘어 Bold" pitchFamily="50" charset="-127"/>
+              </a:endParaRPr>
+            </a:p>
+            <a:p>
+              <a:pPr>
+                <a:lnSpc>
+                  <a:spcPct val="150000"/>
+                </a:lnSpc>
+              </a:pPr>
+              <a:r>
+                <a:rPr lang="ko-KR" altLang="en-US" sz="2000" dirty="0">
+                  <a:ln>
+                    <a:solidFill>
+                      <a:schemeClr val="bg2">
+                        <a:lumMod val="25000"/>
+                        <a:alpha val="20000"/>
+                      </a:schemeClr>
+                    </a:solidFill>
+                  </a:ln>
+                  <a:solidFill>
+                    <a:schemeClr val="bg2">
+                      <a:lumMod val="25000"/>
+                    </a:schemeClr>
+                  </a:solidFill>
+                  <a:latin typeface="나눔스퀘어 Bold" pitchFamily="50" charset="-127"/>
+                  <a:ea typeface="나눔스퀘어 Bold" pitchFamily="50" charset="-127"/>
+                </a:rPr>
+                <a:t>구청에 등록</a:t>
+              </a:r>
+              <a:endParaRPr lang="en-US" altLang="ko-KR" sz="2000" dirty="0">
+                <a:ln>
+                  <a:solidFill>
+                    <a:schemeClr val="bg2">
+                      <a:lumMod val="25000"/>
+                      <a:alpha val="20000"/>
+                    </a:schemeClr>
+                  </a:solidFill>
+                </a:ln>
+                <a:solidFill>
+                  <a:schemeClr val="bg2">
+                    <a:lumMod val="25000"/>
+                  </a:schemeClr>
+                </a:solidFill>
+                <a:latin typeface="나눔스퀘어 Bold" pitchFamily="50" charset="-127"/>
+                <a:ea typeface="나눔스퀘어 Bold" pitchFamily="50" charset="-127"/>
+              </a:endParaRPr>
+            </a:p>
+            <a:p>
+              <a:pPr>
+                <a:lnSpc>
+                  <a:spcPct val="150000"/>
+                </a:lnSpc>
+              </a:pPr>
+              <a:r>
+                <a:rPr lang="en-US" altLang="ko-KR" sz="2000" dirty="0">
+                  <a:ln>
+                    <a:solidFill>
+                      <a:schemeClr val="bg2">
+                        <a:lumMod val="25000"/>
+                        <a:alpha val="20000"/>
+                      </a:schemeClr>
+                    </a:solidFill>
+                  </a:ln>
+                  <a:solidFill>
+                    <a:schemeClr val="bg2">
+                      <a:lumMod val="25000"/>
+                    </a:schemeClr>
+                  </a:solidFill>
+                  <a:latin typeface="나눔스퀘어 Bold" pitchFamily="50" charset="-127"/>
+                  <a:ea typeface="나눔스퀘어 Bold" pitchFamily="50" charset="-127"/>
+                </a:rPr>
+                <a:t>-</a:t>
+              </a:r>
+              <a:r>
+                <a:rPr lang="ko-KR" altLang="en-US" sz="2000" dirty="0">
+                  <a:ln>
+                    <a:solidFill>
+                      <a:schemeClr val="bg2">
+                        <a:lumMod val="25000"/>
+                        <a:alpha val="20000"/>
+                      </a:schemeClr>
+                    </a:solidFill>
+                  </a:ln>
+                  <a:solidFill>
+                    <a:schemeClr val="bg2">
+                      <a:lumMod val="25000"/>
+                    </a:schemeClr>
+                  </a:solidFill>
+                  <a:latin typeface="나눔스퀘어 Bold" pitchFamily="50" charset="-127"/>
+                  <a:ea typeface="나눔스퀘어 Bold" pitchFamily="50" charset="-127"/>
+                </a:rPr>
+                <a:t>적외선 스캔</a:t>
+              </a:r>
+              <a:endParaRPr lang="en-US" altLang="ko-KR" sz="2000" dirty="0">
+                <a:ln>
+                  <a:solidFill>
+                    <a:schemeClr val="bg2">
+                      <a:lumMod val="25000"/>
+                      <a:alpha val="20000"/>
+                    </a:schemeClr>
+                  </a:solidFill>
+                </a:ln>
+                <a:solidFill>
+                  <a:schemeClr val="bg2">
+                    <a:lumMod val="25000"/>
+                  </a:schemeClr>
+                </a:solidFill>
+                <a:latin typeface="나눔스퀘어 Bold" pitchFamily="50" charset="-127"/>
+                <a:ea typeface="나눔스퀘어 Bold" pitchFamily="50" charset="-127"/>
+              </a:endParaRPr>
+            </a:p>
+            <a:p>
+              <a:pPr>
+                <a:lnSpc>
+                  <a:spcPct val="150000"/>
+                </a:lnSpc>
+              </a:pPr>
+              <a:r>
+                <a:rPr lang="en-US" altLang="ko-KR" sz="2000" dirty="0">
+                  <a:ln>
+                    <a:solidFill>
+                      <a:schemeClr val="bg2">
+                        <a:lumMod val="25000"/>
+                        <a:alpha val="20000"/>
+                      </a:schemeClr>
+                    </a:solidFill>
+                  </a:ln>
+                  <a:solidFill>
+                    <a:schemeClr val="bg2">
+                      <a:lumMod val="25000"/>
+                    </a:schemeClr>
+                  </a:solidFill>
+                  <a:latin typeface="나눔스퀘어 Bold" pitchFamily="50" charset="-127"/>
+                  <a:ea typeface="나눔스퀘어 Bold" pitchFamily="50" charset="-127"/>
+                </a:rPr>
+                <a:t>-</a:t>
+              </a:r>
+              <a:r>
+                <a:rPr lang="ko-KR" altLang="en-US" sz="2000" dirty="0">
+                  <a:ln>
+                    <a:solidFill>
+                      <a:schemeClr val="bg2">
+                        <a:lumMod val="25000"/>
+                        <a:alpha val="20000"/>
+                      </a:schemeClr>
+                    </a:solidFill>
+                  </a:ln>
+                  <a:solidFill>
+                    <a:schemeClr val="bg2">
+                      <a:lumMod val="25000"/>
+                    </a:schemeClr>
+                  </a:solidFill>
+                  <a:latin typeface="나눔스퀘어 Bold" pitchFamily="50" charset="-127"/>
+                  <a:ea typeface="나눔스퀘어 Bold" pitchFamily="50" charset="-127"/>
+                </a:rPr>
+                <a:t>혈관투시법</a:t>
+              </a:r>
+              <a:endParaRPr lang="en-US" altLang="ko-KR" sz="2000" dirty="0">
+                <a:ln>
+                  <a:solidFill>
+                    <a:schemeClr val="bg2">
+                      <a:lumMod val="25000"/>
+                      <a:alpha val="20000"/>
+                    </a:schemeClr>
+                  </a:solidFill>
+                </a:ln>
+                <a:solidFill>
+                  <a:schemeClr val="bg2">
+                    <a:lumMod val="25000"/>
+                  </a:schemeClr>
+                </a:solidFill>
+                <a:latin typeface="나눔스퀘어 Bold" pitchFamily="50" charset="-127"/>
+                <a:ea typeface="나눔스퀘어 Bold" pitchFamily="50" charset="-127"/>
+              </a:endParaRPr>
+            </a:p>
+            <a:p>
+              <a:pPr>
+                <a:lnSpc>
+                  <a:spcPct val="150000"/>
+                </a:lnSpc>
+              </a:pPr>
+              <a:endParaRPr sz="2000" dirty="0">
+                <a:ln>
+                  <a:solidFill>
+                    <a:schemeClr val="bg2">
+                      <a:lumMod val="25000"/>
+                      <a:alpha val="20000"/>
+                    </a:schemeClr>
+                  </a:solidFill>
+                </a:ln>
+                <a:solidFill>
+                  <a:schemeClr val="bg2">
+                    <a:lumMod val="25000"/>
+                  </a:schemeClr>
+                </a:solidFill>
+                <a:latin typeface="나눔스퀘어 Bold" pitchFamily="50" charset="-127"/>
+                <a:ea typeface="나눔스퀘어 Bold" pitchFamily="50" charset="-127"/>
+              </a:endParaRPr>
+            </a:p>
+          </p:txBody>
+        </p:sp>
+        <p:grpSp>
+          <p:nvGrpSpPr>
+            <p:cNvPr id="24" name="Group 502">
+              <a:extLst>
+                <a:ext uri="{FF2B5EF4-FFF2-40B4-BE49-F238E27FC236}">
+                  <a16:creationId xmlns:a16="http://schemas.microsoft.com/office/drawing/2014/main" id="{CD3781A9-47D4-4EF0-9981-F0D90DA1F2A3}"/>
+                </a:ext>
+              </a:extLst>
+            </p:cNvPr>
+            <p:cNvGrpSpPr/>
+            <p:nvPr/>
+          </p:nvGrpSpPr>
+          <p:grpSpPr>
+            <a:xfrm>
+              <a:off x="43160" y="1967464"/>
+              <a:ext cx="4674923" cy="1"/>
+              <a:chOff x="0" y="0"/>
+              <a:chExt cx="4674922" cy="0"/>
+            </a:xfrm>
+          </p:grpSpPr>
+          <p:sp>
+            <p:nvSpPr>
+              <p:cNvPr id="25" name="Shape 500">
+                <a:extLst>
+                  <a:ext uri="{FF2B5EF4-FFF2-40B4-BE49-F238E27FC236}">
+                    <a16:creationId xmlns:a16="http://schemas.microsoft.com/office/drawing/2014/main" id="{03BFCD39-A338-4A84-9C15-0CE984BC77EE}"/>
+                  </a:ext>
+                </a:extLst>
+              </p:cNvPr>
+              <p:cNvSpPr/>
+              <p:nvPr/>
+            </p:nvSpPr>
+            <p:spPr>
+              <a:xfrm>
+                <a:off x="0" y="0"/>
+                <a:ext cx="4674923" cy="0"/>
+              </a:xfrm>
+              <a:prstGeom prst="line">
+                <a:avLst/>
+              </a:prstGeom>
+              <a:noFill/>
+              <a:ln w="25400" cap="flat">
+                <a:solidFill>
+                  <a:srgbClr val="E5E5E5"/>
+                </a:solidFill>
+                <a:prstDash val="solid"/>
+                <a:miter lim="400000"/>
+              </a:ln>
+              <a:effectLst/>
+            </p:spPr>
+            <p:txBody>
+              <a:bodyPr wrap="square" lIns="38100" tIns="38100" rIns="38100" bIns="38100" numCol="1" anchor="ctr">
+                <a:noAutofit/>
+              </a:bodyPr>
+              <a:lstStyle/>
+              <a:p>
+                <a:pPr algn="ctr">
+                  <a:defRPr sz="3000">
+                    <a:solidFill>
+                      <a:srgbClr val="000000"/>
+                    </a:solidFill>
+                    <a:latin typeface="Helvetica Light"/>
+                    <a:ea typeface="Helvetica Light"/>
+                    <a:cs typeface="Helvetica Light"/>
+                    <a:sym typeface="Helvetica Light"/>
+                  </a:defRPr>
+                </a:pPr>
+                <a:endParaRPr/>
+              </a:p>
+            </p:txBody>
+          </p:sp>
+          <p:sp>
+            <p:nvSpPr>
+              <p:cNvPr id="26" name="Shape 501">
+                <a:extLst>
+                  <a:ext uri="{FF2B5EF4-FFF2-40B4-BE49-F238E27FC236}">
+                    <a16:creationId xmlns:a16="http://schemas.microsoft.com/office/drawing/2014/main" id="{3C8DDB13-DC33-4AF6-A75F-AEE72A879C60}"/>
+                  </a:ext>
+                </a:extLst>
+              </p:cNvPr>
+              <p:cNvSpPr/>
+              <p:nvPr/>
+            </p:nvSpPr>
+            <p:spPr>
+              <a:xfrm>
+                <a:off x="12700" y="0"/>
+                <a:ext cx="942922" cy="0"/>
+              </a:xfrm>
+              <a:prstGeom prst="line">
+                <a:avLst/>
+              </a:prstGeom>
+              <a:noFill/>
+              <a:ln w="25400" cap="flat">
+                <a:solidFill>
+                  <a:srgbClr val="000000"/>
+                </a:solidFill>
+                <a:prstDash val="solid"/>
+                <a:miter lim="400000"/>
+              </a:ln>
+              <a:effectLst/>
+            </p:spPr>
+            <p:txBody>
+              <a:bodyPr wrap="square" lIns="38100" tIns="38100" rIns="38100" bIns="38100" numCol="1" anchor="ctr">
+                <a:noAutofit/>
+              </a:bodyPr>
+              <a:lstStyle/>
+              <a:p>
+                <a:pPr algn="ctr">
+                  <a:defRPr sz="3000">
+                    <a:solidFill>
+                      <a:srgbClr val="000000"/>
+                    </a:solidFill>
+                    <a:latin typeface="Helvetica Light"/>
+                    <a:ea typeface="Helvetica Light"/>
+                    <a:cs typeface="Helvetica Light"/>
+                    <a:sym typeface="Helvetica Light"/>
+                  </a:defRPr>
+                </a:pPr>
+                <a:endParaRPr/>
+              </a:p>
+            </p:txBody>
+          </p:sp>
+        </p:grpSp>
+      </p:grpSp>
     </p:spTree>
     <p:extLst>
       <p:ext uri="{BB962C8B-B14F-4D97-AF65-F5344CB8AC3E}">
@@ -5271,7 +5415,7 @@
           <a:effectLst/>
           <a:extLst>
             <a:ext uri="{C572A759-6A51-4108-AA02-DFA0A04FC94B}">
-              <ma14:wrappingTextBoxFlag xmlns="" xmlns:ma14="http://schemas.microsoft.com/office/mac/drawingml/2011/main" val="1"/>
+              <ma14:wrappingTextBoxFlag xmlns:ma14="http://schemas.microsoft.com/office/mac/drawingml/2011/main" xmlns="" val="1"/>
             </a:ext>
           </a:extLst>
         </p:spPr>
@@ -5451,7 +5595,7 @@
           <a:effectLst/>
           <a:extLst>
             <a:ext uri="{C572A759-6A51-4108-AA02-DFA0A04FC94B}">
-              <ma14:wrappingTextBoxFlag xmlns="" xmlns:ma14="http://schemas.microsoft.com/office/mac/drawingml/2011/main" val="1"/>
+              <ma14:wrappingTextBoxFlag xmlns:ma14="http://schemas.microsoft.com/office/mac/drawingml/2011/main" xmlns="" val="1"/>
             </a:ext>
           </a:extLst>
         </p:spPr>
@@ -5537,7 +5681,7 @@
             <a:effectLst/>
             <a:extLst>
               <a:ext uri="{C572A759-6A51-4108-AA02-DFA0A04FC94B}">
-                <ma14:wrappingTextBoxFlag xmlns="" xmlns:ma14="http://schemas.microsoft.com/office/mac/drawingml/2011/main" val="1"/>
+                <ma14:wrappingTextBoxFlag xmlns:ma14="http://schemas.microsoft.com/office/mac/drawingml/2011/main" xmlns="" val="1"/>
               </a:ext>
             </a:extLst>
           </p:spPr>
@@ -5609,7 +5753,7 @@
             <a:effectLst/>
             <a:extLst>
               <a:ext uri="{C572A759-6A51-4108-AA02-DFA0A04FC94B}">
-                <ma14:wrappingTextBoxFlag xmlns="" xmlns:ma14="http://schemas.microsoft.com/office/mac/drawingml/2011/main" val="1"/>
+                <ma14:wrappingTextBoxFlag xmlns:ma14="http://schemas.microsoft.com/office/mac/drawingml/2011/main" xmlns="" val="1"/>
               </a:ext>
             </a:extLst>
           </p:spPr>
@@ -5618,6 +5762,50 @@
               <a:normAutofit/>
             </a:bodyPr>
             <a:lstStyle/>
+            <a:p>
+              <a:pPr>
+                <a:lnSpc>
+                  <a:spcPct val="150000"/>
+                </a:lnSpc>
+              </a:pPr>
+              <a:r>
+                <a:rPr lang="ko-KR" altLang="en-US" sz="2000" dirty="0">
+                  <a:ln>
+                    <a:solidFill>
+                      <a:schemeClr val="bg2">
+                        <a:lumMod val="25000"/>
+                        <a:alpha val="20000"/>
+                      </a:schemeClr>
+                    </a:solidFill>
+                  </a:ln>
+                  <a:solidFill>
+                    <a:schemeClr val="bg2">
+                      <a:lumMod val="25000"/>
+                    </a:schemeClr>
+                  </a:solidFill>
+                  <a:latin typeface="나눔스퀘어 Bold" pitchFamily="50" charset="-127"/>
+                  <a:ea typeface="나눔스퀘어 Bold" pitchFamily="50" charset="-127"/>
+                </a:rPr>
+                <a:t>바이오센서에</a:t>
+              </a:r>
+              <a:endParaRPr lang="en-US" altLang="ko-KR" sz="2000" dirty="0">
+                <a:ln>
+                  <a:solidFill>
+                    <a:schemeClr val="bg2">
+                      <a:lumMod val="25000"/>
+                      <a:alpha val="20000"/>
+                    </a:schemeClr>
+                  </a:solidFill>
+                </a:ln>
+                <a:solidFill>
+                  <a:schemeClr val="bg2">
+                    <a:lumMod val="25000"/>
+                  </a:schemeClr>
+                </a:solidFill>
+                <a:latin typeface="나눔스퀘어 Bold" pitchFamily="50" charset="-127"/>
+                <a:ea typeface="나눔스퀘어 Bold" pitchFamily="50" charset="-127"/>
+              </a:endParaRPr>
+            </a:p>
             <a:p>
               <a:pPr>
                 <a:lnSpc>
@@ -5877,7 +6065,7 @@
             <a:effectLst/>
             <a:extLst>
               <a:ext uri="{C572A759-6A51-4108-AA02-DFA0A04FC94B}">
-                <ma14:wrappingTextBoxFlag xmlns="" xmlns:ma14="http://schemas.microsoft.com/office/mac/drawingml/2011/main" val="1"/>
+                <ma14:wrappingTextBoxFlag xmlns:ma14="http://schemas.microsoft.com/office/mac/drawingml/2011/main" xmlns="" val="1"/>
               </a:ext>
             </a:extLst>
           </p:spPr>
@@ -5911,7 +6099,7 @@
                   <a:latin typeface="나눔스퀘어 Bold" panose="020B0600000101010101" pitchFamily="50" charset="-127"/>
                   <a:ea typeface="나눔스퀘어 Bold" panose="020B0600000101010101" pitchFamily="50" charset="-127"/>
                 </a:rPr>
-                <a:t>2</a:t>
+                <a:t>3</a:t>
               </a:r>
               <a:endParaRPr sz="2000" dirty="0">
                 <a:ln>
@@ -5949,7 +6137,7 @@
             <a:effectLst/>
             <a:extLst>
               <a:ext uri="{C572A759-6A51-4108-AA02-DFA0A04FC94B}">
-                <ma14:wrappingTextBoxFlag xmlns="" xmlns:ma14="http://schemas.microsoft.com/office/mac/drawingml/2011/main" val="1"/>
+                <ma14:wrappingTextBoxFlag xmlns:ma14="http://schemas.microsoft.com/office/mac/drawingml/2011/main" xmlns="" val="1"/>
               </a:ext>
             </a:extLst>
           </p:spPr>
@@ -5982,7 +6170,7 @@
                   <a:latin typeface="나눔스퀘어 Bold" pitchFamily="50" charset="-127"/>
                   <a:ea typeface="나눔스퀘어 Bold" pitchFamily="50" charset="-127"/>
                 </a:rPr>
-                <a:t>지하철</a:t>
+                <a:t>지하철 내부</a:t>
               </a:r>
               <a:endParaRPr sz="2000" dirty="0">
                 <a:ln>
@@ -6463,7 +6651,7 @@
             <a:effectLst/>
             <a:extLst>
               <a:ext uri="{C572A759-6A51-4108-AA02-DFA0A04FC94B}">
-                <ma14:wrappingTextBoxFlag xmlns="" xmlns:ma14="http://schemas.microsoft.com/office/mac/drawingml/2011/main" val="1"/>
+                <ma14:wrappingTextBoxFlag xmlns:ma14="http://schemas.microsoft.com/office/mac/drawingml/2011/main" xmlns="" val="1"/>
               </a:ext>
             </a:extLst>
           </p:spPr>
@@ -6621,7 +6809,7 @@
             <a:effectLst/>
             <a:extLst>
               <a:ext uri="{C572A759-6A51-4108-AA02-DFA0A04FC94B}">
-                <ma14:wrappingTextBoxFlag xmlns="" xmlns:ma14="http://schemas.microsoft.com/office/mac/drawingml/2011/main" val="1"/>
+                <ma14:wrappingTextBoxFlag xmlns:ma14="http://schemas.microsoft.com/office/mac/drawingml/2011/main" xmlns="" val="1"/>
               </a:ext>
             </a:extLst>
           </p:spPr>
@@ -6693,7 +6881,7 @@
             <a:effectLst/>
             <a:extLst>
               <a:ext uri="{C572A759-6A51-4108-AA02-DFA0A04FC94B}">
-                <ma14:wrappingTextBoxFlag xmlns="" xmlns:ma14="http://schemas.microsoft.com/office/mac/drawingml/2011/main" val="1"/>
+                <ma14:wrappingTextBoxFlag xmlns:ma14="http://schemas.microsoft.com/office/mac/drawingml/2011/main" xmlns="" val="1"/>
               </a:ext>
             </a:extLst>
           </p:spPr>
@@ -6770,7 +6958,51 @@
                   <a:latin typeface="나눔스퀘어 Bold" pitchFamily="50" charset="-127"/>
                   <a:ea typeface="나눔스퀘어 Bold" pitchFamily="50" charset="-127"/>
                 </a:rPr>
-                <a:t>다시 정맥인식을 하면</a:t>
+                <a:t>다시 정맥인식을</a:t>
+              </a:r>
+              <a:endParaRPr lang="en-US" altLang="ko-KR" sz="2000" dirty="0">
+                <a:ln>
+                  <a:solidFill>
+                    <a:schemeClr val="bg2">
+                      <a:lumMod val="25000"/>
+                      <a:alpha val="20000"/>
+                    </a:schemeClr>
+                  </a:solidFill>
+                </a:ln>
+                <a:solidFill>
+                  <a:schemeClr val="bg2">
+                    <a:lumMod val="25000"/>
+                  </a:schemeClr>
+                </a:solidFill>
+                <a:latin typeface="나눔스퀘어 Bold" pitchFamily="50" charset="-127"/>
+                <a:ea typeface="나눔스퀘어 Bold" pitchFamily="50" charset="-127"/>
+              </a:endParaRPr>
+            </a:p>
+            <a:p>
+              <a:pPr>
+                <a:lnSpc>
+                  <a:spcPct val="150000"/>
+                </a:lnSpc>
+              </a:pPr>
+              <a:r>
+                <a:rPr lang="ko-KR" altLang="en-US" sz="2000" dirty="0">
+                  <a:ln>
+                    <a:solidFill>
+                      <a:schemeClr val="bg2">
+                        <a:lumMod val="25000"/>
+                        <a:alpha val="20000"/>
+                      </a:schemeClr>
+                    </a:solidFill>
+                  </a:ln>
+                  <a:solidFill>
+                    <a:schemeClr val="bg2">
+                      <a:lumMod val="25000"/>
+                    </a:schemeClr>
+                  </a:solidFill>
+                  <a:latin typeface="나눔스퀘어 Bold" pitchFamily="50" charset="-127"/>
+                  <a:ea typeface="나눔스퀘어 Bold" pitchFamily="50" charset="-127"/>
+                </a:rPr>
+                <a:t>한 번 더 하면</a:t>
               </a:r>
               <a:endParaRPr lang="en-US" altLang="ko-KR" sz="2000" dirty="0">
                 <a:ln>
@@ -7371,7 +7603,7 @@
           <a:effectLst/>
           <a:extLst>
             <a:ext uri="{C572A759-6A51-4108-AA02-DFA0A04FC94B}">
-              <ma14:wrappingTextBoxFlag xmlns:ma14="http://schemas.microsoft.com/office/mac/drawingml/2011/main" xmlns="" val="1"/>
+              <ma14:wrappingTextBoxFlag xmlns="" xmlns:ma14="http://schemas.microsoft.com/office/mac/drawingml/2011/main" val="1"/>
             </a:ext>
           </a:extLst>
         </p:spPr>
@@ -7551,7 +7783,7 @@
           <a:effectLst/>
           <a:extLst>
             <a:ext uri="{C572A759-6A51-4108-AA02-DFA0A04FC94B}">
-              <ma14:wrappingTextBoxFlag xmlns:ma14="http://schemas.microsoft.com/office/mac/drawingml/2011/main" xmlns="" val="1"/>
+              <ma14:wrappingTextBoxFlag xmlns="" xmlns:ma14="http://schemas.microsoft.com/office/mac/drawingml/2011/main" val="1"/>
             </a:ext>
           </a:extLst>
         </p:spPr>
@@ -7631,7 +7863,7 @@
             <a:effectLst/>
             <a:extLst>
               <a:ext uri="{C572A759-6A51-4108-AA02-DFA0A04FC94B}">
-                <ma14:wrappingTextBoxFlag xmlns:ma14="http://schemas.microsoft.com/office/mac/drawingml/2011/main" xmlns="" val="1"/>
+                <ma14:wrappingTextBoxFlag xmlns="" xmlns:ma14="http://schemas.microsoft.com/office/mac/drawingml/2011/main" val="1"/>
               </a:ext>
             </a:extLst>
           </p:spPr>
@@ -7696,7 +7928,7 @@
             <a:effectLst/>
             <a:extLst>
               <a:ext uri="{C572A759-6A51-4108-AA02-DFA0A04FC94B}">
-                <ma14:wrappingTextBoxFlag xmlns:ma14="http://schemas.microsoft.com/office/mac/drawingml/2011/main" xmlns="" val="1"/>
+                <ma14:wrappingTextBoxFlag xmlns="" xmlns:ma14="http://schemas.microsoft.com/office/mac/drawingml/2011/main" val="1"/>
               </a:ext>
             </a:extLst>
           </p:spPr>
@@ -7712,9 +7944,49 @@
                 </a:lnSpc>
               </a:pPr>
               <a:r>
+                <a:rPr lang="en-US" altLang="ko-KR" dirty="0"/>
+                <a:t>-</a:t>
+              </a:r>
+              <a:r>
                 <a:rPr lang="ko-KR" altLang="ko-KR" dirty="0"/>
-                <a:t>다른 생체인식 기술에 비해서 보안성이 강력하다</a:t>
+                <a:t>다른 생체인식 기술에 비해서 </a:t>
               </a:r>
+              <a:endParaRPr lang="en-US" altLang="ko-KR" dirty="0"/>
+            </a:p>
+            <a:p>
+              <a:pPr>
+                <a:lnSpc>
+                  <a:spcPct val="150000"/>
+                </a:lnSpc>
+              </a:pPr>
+              <a:r>
+                <a:rPr lang="ko-KR" altLang="ko-KR" dirty="0"/>
+                <a:t>보안성이 강력하다</a:t>
+              </a:r>
+              <a:endParaRPr lang="en-US" altLang="ko-KR" dirty="0"/>
+            </a:p>
+            <a:p>
+              <a:pPr>
+                <a:lnSpc>
+                  <a:spcPct val="150000"/>
+                </a:lnSpc>
+              </a:pPr>
+              <a:r>
+                <a:rPr lang="en-US" altLang="ko-KR" dirty="0"/>
+                <a:t>-</a:t>
+              </a:r>
+              <a:r>
+                <a:rPr lang="ko-KR" altLang="en-US" dirty="0"/>
+                <a:t>초기비용 감수하면 효율적일 것</a:t>
+              </a:r>
+              <a:endParaRPr lang="en-US" altLang="ko-KR" dirty="0"/>
+            </a:p>
+            <a:p>
+              <a:pPr>
+                <a:lnSpc>
+                  <a:spcPct val="150000"/>
+                </a:lnSpc>
+              </a:pPr>
               <a:endParaRPr dirty="0"/>
             </a:p>
           </p:txBody>
@@ -7932,7 +8204,7 @@
             <a:effectLst/>
             <a:extLst>
               <a:ext uri="{C572A759-6A51-4108-AA02-DFA0A04FC94B}">
-                <ma14:wrappingTextBoxFlag xmlns:ma14="http://schemas.microsoft.com/office/mac/drawingml/2011/main" xmlns="" val="1"/>
+                <ma14:wrappingTextBoxFlag xmlns="" xmlns:ma14="http://schemas.microsoft.com/office/mac/drawingml/2011/main" val="1"/>
               </a:ext>
             </a:extLst>
           </p:spPr>
@@ -7997,7 +8269,7 @@
             <a:effectLst/>
             <a:extLst>
               <a:ext uri="{C572A759-6A51-4108-AA02-DFA0A04FC94B}">
-                <ma14:wrappingTextBoxFlag xmlns:ma14="http://schemas.microsoft.com/office/mac/drawingml/2011/main" xmlns="" val="1"/>
+                <ma14:wrappingTextBoxFlag xmlns="" xmlns:ma14="http://schemas.microsoft.com/office/mac/drawingml/2011/main" val="1"/>
               </a:ext>
             </a:extLst>
           </p:spPr>
@@ -8190,6 +8462,57 @@
               </a:defRPr>
             </a:pPr>
             <a:endParaRPr/>
+          </a:p>
+        </p:txBody>
+      </p:sp>
+      <p:sp>
+        <p:nvSpPr>
+          <p:cNvPr id="20" name="Shape 499">
+            <a:extLst>
+              <a:ext uri="{FF2B5EF4-FFF2-40B4-BE49-F238E27FC236}">
+                <a16:creationId xmlns:a16="http://schemas.microsoft.com/office/drawing/2014/main" id="{E406FDA8-890A-464D-B3FE-CCC03B2A28E9}"/>
+              </a:ext>
+            </a:extLst>
+          </p:cNvPr>
+          <p:cNvSpPr/>
+          <p:nvPr/>
+        </p:nvSpPr>
+        <p:spPr>
+          <a:xfrm>
+            <a:off x="622379" y="2093662"/>
+            <a:ext cx="3534714" cy="1865111"/>
+          </a:xfrm>
+          <a:prstGeom prst="rect">
+            <a:avLst/>
+          </a:prstGeom>
+          <a:noFill/>
+          <a:ln w="3175" cap="flat">
+            <a:noFill/>
+            <a:miter lim="400000"/>
+          </a:ln>
+          <a:effectLst/>
+          <a:extLst>
+            <a:ext uri="{C572A759-6A51-4108-AA02-DFA0A04FC94B}">
+              <ma14:wrappingTextBoxFlag xmlns="" xmlns:ma14="http://schemas.microsoft.com/office/mac/drawingml/2011/main" val="1"/>
+            </a:ext>
+          </a:extLst>
+        </p:spPr>
+        <p:txBody>
+          <a:bodyPr wrap="square" lIns="38100" tIns="38100" rIns="38100" bIns="38100" numCol="1" anchor="t">
+            <a:normAutofit/>
+          </a:bodyPr>
+          <a:lstStyle/>
+          <a:p>
+            <a:pPr>
+              <a:lnSpc>
+                <a:spcPct val="150000"/>
+              </a:lnSpc>
+            </a:pPr>
+            <a:r>
+              <a:rPr lang="ko-KR" altLang="en-US" dirty="0"/>
+              <a:t>원활히 이뤄질 수 있다</a:t>
+            </a:r>
+            <a:endParaRPr dirty="0"/>
           </a:p>
         </p:txBody>
       </p:sp>
@@ -11016,7 +11339,7 @@
           </a:ln>
           <a:extLst>
             <a:ext uri="{C572A759-6A51-4108-AA02-DFA0A04FC94B}">
-              <ma14:wrappingTextBoxFlag xmlns="" xmlns:ma14="http://schemas.microsoft.com/office/mac/drawingml/2011/main" val="1"/>
+              <ma14:wrappingTextBoxFlag xmlns:ma14="http://schemas.microsoft.com/office/mac/drawingml/2011/main" xmlns="" val="1"/>
             </a:ext>
           </a:extLst>
         </p:spPr>
@@ -11586,7 +11909,7 @@
           </a:ln>
           <a:extLst>
             <a:ext uri="{C572A759-6A51-4108-AA02-DFA0A04FC94B}">
-              <ma14:wrappingTextBoxFlag xmlns="" xmlns:ma14="http://schemas.microsoft.com/office/mac/drawingml/2011/main" val="1"/>
+              <ma14:wrappingTextBoxFlag xmlns:ma14="http://schemas.microsoft.com/office/mac/drawingml/2011/main" xmlns="" val="1"/>
             </a:ext>
           </a:extLst>
         </p:spPr>
@@ -12573,7 +12896,7 @@
             <a:effectLst/>
             <a:extLst>
               <a:ext uri="{C572A759-6A51-4108-AA02-DFA0A04FC94B}">
-                <ma14:wrappingTextBoxFlag xmlns="" xmlns:ma14="http://schemas.microsoft.com/office/mac/drawingml/2011/main" val="1"/>
+                <ma14:wrappingTextBoxFlag xmlns:ma14="http://schemas.microsoft.com/office/mac/drawingml/2011/main" xmlns="" val="1"/>
               </a:ext>
             </a:extLst>
           </p:spPr>
@@ -12660,7 +12983,7 @@
             <a:effectLst/>
             <a:extLst>
               <a:ext uri="{C572A759-6A51-4108-AA02-DFA0A04FC94B}">
-                <ma14:wrappingTextBoxFlag xmlns="" xmlns:ma14="http://schemas.microsoft.com/office/mac/drawingml/2011/main" val="1"/>
+                <ma14:wrappingTextBoxFlag xmlns:ma14="http://schemas.microsoft.com/office/mac/drawingml/2011/main" xmlns="" val="1"/>
               </a:ext>
             </a:extLst>
           </p:spPr>
@@ -12732,7 +13055,7 @@
             <a:effectLst/>
             <a:extLst>
               <a:ext uri="{C572A759-6A51-4108-AA02-DFA0A04FC94B}">
-                <ma14:wrappingTextBoxFlag xmlns="" xmlns:ma14="http://schemas.microsoft.com/office/mac/drawingml/2011/main" val="1"/>
+                <ma14:wrappingTextBoxFlag xmlns:ma14="http://schemas.microsoft.com/office/mac/drawingml/2011/main" xmlns="" val="1"/>
               </a:ext>
             </a:extLst>
           </p:spPr>
@@ -13065,7 +13388,7 @@
           <a:effectLst/>
           <a:extLst>
             <a:ext uri="{C572A759-6A51-4108-AA02-DFA0A04FC94B}">
-              <ma14:wrappingTextBoxFlag xmlns="" xmlns:ma14="http://schemas.microsoft.com/office/mac/drawingml/2011/main" val="1"/>
+              <ma14:wrappingTextBoxFlag xmlns:ma14="http://schemas.microsoft.com/office/mac/drawingml/2011/main" xmlns="" val="1"/>
             </a:ext>
           </a:extLst>
         </p:spPr>
@@ -13245,7 +13568,7 @@
           <a:effectLst/>
           <a:extLst>
             <a:ext uri="{C572A759-6A51-4108-AA02-DFA0A04FC94B}">
-              <ma14:wrappingTextBoxFlag xmlns="" xmlns:ma14="http://schemas.microsoft.com/office/mac/drawingml/2011/main" val="1"/>
+              <ma14:wrappingTextBoxFlag xmlns:ma14="http://schemas.microsoft.com/office/mac/drawingml/2011/main" xmlns="" val="1"/>
             </a:ext>
           </a:extLst>
         </p:spPr>
@@ -13331,7 +13654,7 @@
             <a:effectLst/>
             <a:extLst>
               <a:ext uri="{C572A759-6A51-4108-AA02-DFA0A04FC94B}">
-                <ma14:wrappingTextBoxFlag xmlns="" xmlns:ma14="http://schemas.microsoft.com/office/mac/drawingml/2011/main" val="1"/>
+                <ma14:wrappingTextBoxFlag xmlns:ma14="http://schemas.microsoft.com/office/mac/drawingml/2011/main" xmlns="" val="1"/>
               </a:ext>
             </a:extLst>
           </p:spPr>
@@ -13403,7 +13726,7 @@
             <a:effectLst/>
             <a:extLst>
               <a:ext uri="{C572A759-6A51-4108-AA02-DFA0A04FC94B}">
-                <ma14:wrappingTextBoxFlag xmlns="" xmlns:ma14="http://schemas.microsoft.com/office/mac/drawingml/2011/main" val="1"/>
+                <ma14:wrappingTextBoxFlag xmlns:ma14="http://schemas.microsoft.com/office/mac/drawingml/2011/main" xmlns="" val="1"/>
               </a:ext>
             </a:extLst>
           </p:spPr>
@@ -13715,7 +14038,7 @@
             <a:effectLst/>
             <a:extLst>
               <a:ext uri="{C572A759-6A51-4108-AA02-DFA0A04FC94B}">
-                <ma14:wrappingTextBoxFlag xmlns="" xmlns:ma14="http://schemas.microsoft.com/office/mac/drawingml/2011/main" val="1"/>
+                <ma14:wrappingTextBoxFlag xmlns:ma14="http://schemas.microsoft.com/office/mac/drawingml/2011/main" xmlns="" val="1"/>
               </a:ext>
             </a:extLst>
           </p:spPr>
@@ -13787,7 +14110,7 @@
             <a:effectLst/>
             <a:extLst>
               <a:ext uri="{C572A759-6A51-4108-AA02-DFA0A04FC94B}">
-                <ma14:wrappingTextBoxFlag xmlns="" xmlns:ma14="http://schemas.microsoft.com/office/mac/drawingml/2011/main" val="1"/>
+                <ma14:wrappingTextBoxFlag xmlns:ma14="http://schemas.microsoft.com/office/mac/drawingml/2011/main" xmlns="" val="1"/>
               </a:ext>
             </a:extLst>
           </p:spPr>
@@ -14357,7 +14680,7 @@
             <a:effectLst/>
             <a:extLst>
               <a:ext uri="{C572A759-6A51-4108-AA02-DFA0A04FC94B}">
-                <ma14:wrappingTextBoxFlag xmlns="" xmlns:ma14="http://schemas.microsoft.com/office/mac/drawingml/2011/main" val="1"/>
+                <ma14:wrappingTextBoxFlag xmlns:ma14="http://schemas.microsoft.com/office/mac/drawingml/2011/main" xmlns="" val="1"/>
               </a:ext>
             </a:extLst>
           </p:spPr>
@@ -14515,7 +14838,7 @@
             <a:effectLst/>
             <a:extLst>
               <a:ext uri="{C572A759-6A51-4108-AA02-DFA0A04FC94B}">
-                <ma14:wrappingTextBoxFlag xmlns="" xmlns:ma14="http://schemas.microsoft.com/office/mac/drawingml/2011/main" val="1"/>
+                <ma14:wrappingTextBoxFlag xmlns:ma14="http://schemas.microsoft.com/office/mac/drawingml/2011/main" xmlns="" val="1"/>
               </a:ext>
             </a:extLst>
           </p:spPr>
@@ -14587,7 +14910,7 @@
             <a:effectLst/>
             <a:extLst>
               <a:ext uri="{C572A759-6A51-4108-AA02-DFA0A04FC94B}">
-                <ma14:wrappingTextBoxFlag xmlns="" xmlns:ma14="http://schemas.microsoft.com/office/mac/drawingml/2011/main" val="1"/>
+                <ma14:wrappingTextBoxFlag xmlns:ma14="http://schemas.microsoft.com/office/mac/drawingml/2011/main" xmlns="" val="1"/>
               </a:ext>
             </a:extLst>
           </p:spPr>
